--- a/jinlu/EC_new2.pptx
+++ b/jinlu/EC_new2.pptx
@@ -11,6 +11,10 @@
     <p:sldId id="259" r:id="rId5"/>
     <p:sldId id="260" r:id="rId6"/>
     <p:sldId id="261" r:id="rId7"/>
+    <p:sldId id="262" r:id="rId8"/>
+    <p:sldId id="263" r:id="rId9"/>
+    <p:sldId id="264" r:id="rId10"/>
+    <p:sldId id="265" r:id="rId11"/>
   </p:sldIdLst>
   <p:sldSz cx="12192000" cy="6858000"/>
   <p:notesSz cx="6858000" cy="9144000"/>
@@ -3564,6 +3568,132 @@
 </p:sld>
 </file>
 
+<file path=ppt/slides/slide10.xml><?xml version="1.0" encoding="utf-8"?>
+<p:sld xmlns:a="http://schemas.openxmlformats.org/drawingml/2006/main" xmlns:r="http://schemas.openxmlformats.org/officeDocument/2006/relationships" xmlns:p="http://schemas.openxmlformats.org/presentationml/2006/main">
+  <p:cSld>
+    <p:spTree>
+      <p:nvGrpSpPr>
+        <p:cNvPr id="1" name=""/>
+        <p:cNvGrpSpPr/>
+        <p:nvPr/>
+      </p:nvGrpSpPr>
+      <p:grpSpPr>
+        <a:xfrm>
+          <a:off x="0" y="0"/>
+          <a:ext cx="0" cy="0"/>
+          <a:chOff x="0" y="0"/>
+          <a:chExt cx="0" cy="0"/>
+        </a:xfrm>
+      </p:grpSpPr>
+      <p:sp>
+        <p:nvSpPr>
+          <p:cNvPr id="2" name="Title 1">
+            <a:extLst>
+              <a:ext uri="{FF2B5EF4-FFF2-40B4-BE49-F238E27FC236}">
+                <a16:creationId xmlns:a16="http://schemas.microsoft.com/office/drawing/2014/main" id="{FD30DAA2-F7EB-4B22-A5AE-5F6E2749C0AF}"/>
+              </a:ext>
+            </a:extLst>
+          </p:cNvPr>
+          <p:cNvSpPr>
+            <a:spLocks noGrp="1"/>
+          </p:cNvSpPr>
+          <p:nvPr>
+            <p:ph type="title"/>
+          </p:nvPr>
+        </p:nvSpPr>
+        <p:spPr/>
+        <p:txBody>
+          <a:bodyPr/>
+          <a:lstStyle/>
+          <a:p>
+            <a:endParaRPr lang="en-GB"/>
+          </a:p>
+        </p:txBody>
+      </p:sp>
+      <p:pic>
+        <p:nvPicPr>
+          <p:cNvPr id="5" name="Content Placeholder 4">
+            <a:extLst>
+              <a:ext uri="{FF2B5EF4-FFF2-40B4-BE49-F238E27FC236}">
+                <a16:creationId xmlns:a16="http://schemas.microsoft.com/office/drawing/2014/main" id="{DE8919AC-50AF-4886-8E21-DBF1D37B5C5E}"/>
+              </a:ext>
+            </a:extLst>
+          </p:cNvPr>
+          <p:cNvPicPr>
+            <a:picLocks noGrp="1" noChangeAspect="1"/>
+          </p:cNvPicPr>
+          <p:nvPr>
+            <p:ph idx="1"/>
+          </p:nvPr>
+        </p:nvPicPr>
+        <p:blipFill>
+          <a:blip r:embed="rId2">
+            <a:extLst>
+              <a:ext uri="{28A0092B-C50C-407E-A947-70E740481C1C}">
+                <a14:useLocalDpi xmlns:a14="http://schemas.microsoft.com/office/drawing/2010/main" val="0"/>
+              </a:ext>
+            </a:extLst>
+          </a:blip>
+          <a:stretch>
+            <a:fillRect/>
+          </a:stretch>
+        </p:blipFill>
+        <p:spPr>
+          <a:xfrm>
+            <a:off x="7900084" y="1153793"/>
+            <a:ext cx="3728244" cy="3728244"/>
+          </a:xfrm>
+        </p:spPr>
+      </p:pic>
+      <p:pic>
+        <p:nvPicPr>
+          <p:cNvPr id="7" name="Picture 6">
+            <a:extLst>
+              <a:ext uri="{FF2B5EF4-FFF2-40B4-BE49-F238E27FC236}">
+                <a16:creationId xmlns:a16="http://schemas.microsoft.com/office/drawing/2014/main" id="{95A37B46-E9D5-4113-99CD-3A7DA15EA6C1}"/>
+              </a:ext>
+            </a:extLst>
+          </p:cNvPr>
+          <p:cNvPicPr>
+            <a:picLocks noChangeAspect="1"/>
+          </p:cNvPicPr>
+          <p:nvPr/>
+        </p:nvPicPr>
+        <p:blipFill>
+          <a:blip r:embed="rId3">
+            <a:extLst>
+              <a:ext uri="{28A0092B-C50C-407E-A947-70E740481C1C}">
+                <a14:useLocalDpi xmlns:a14="http://schemas.microsoft.com/office/drawing/2010/main" val="0"/>
+              </a:ext>
+            </a:extLst>
+          </a:blip>
+          <a:stretch>
+            <a:fillRect/>
+          </a:stretch>
+        </p:blipFill>
+        <p:spPr>
+          <a:xfrm>
+            <a:off x="490755" y="991430"/>
+            <a:ext cx="6821776" cy="4263610"/>
+          </a:xfrm>
+          <a:prstGeom prst="rect">
+            <a:avLst/>
+          </a:prstGeom>
+        </p:spPr>
+      </p:pic>
+    </p:spTree>
+    <p:extLst>
+      <p:ext uri="{BB962C8B-B14F-4D97-AF65-F5344CB8AC3E}">
+        <p14:creationId xmlns:p14="http://schemas.microsoft.com/office/powerpoint/2010/main" val="4063398465"/>
+      </p:ext>
+    </p:extLst>
+  </p:cSld>
+  <p:clrMapOvr>
+    <a:masterClrMapping/>
+  </p:clrMapOvr>
+</p:sld>
+</file>
+
 <file path=ppt/slides/slide2.xml><?xml version="1.0" encoding="utf-8"?>
 <p:sld xmlns:a="http://schemas.openxmlformats.org/drawingml/2006/main" xmlns:r="http://schemas.openxmlformats.org/officeDocument/2006/relationships" xmlns:p="http://schemas.openxmlformats.org/presentationml/2006/main">
   <p:cSld>
@@ -4060,7 +4190,7 @@
         </p:blipFill>
         <p:spPr>
           <a:xfrm>
-            <a:off x="7012556" y="1204421"/>
+            <a:off x="6567939" y="1204421"/>
             <a:ext cx="3726502" cy="3726502"/>
           </a:xfrm>
           <a:prstGeom prst="rect">
@@ -4108,6 +4238,360 @@
     <p:extLst>
       <p:ext uri="{BB962C8B-B14F-4D97-AF65-F5344CB8AC3E}">
         <p14:creationId xmlns:p14="http://schemas.microsoft.com/office/powerpoint/2010/main" val="3210386133"/>
+      </p:ext>
+    </p:extLst>
+  </p:cSld>
+  <p:clrMapOvr>
+    <a:masterClrMapping/>
+  </p:clrMapOvr>
+</p:sld>
+</file>
+
+<file path=ppt/slides/slide7.xml><?xml version="1.0" encoding="utf-8"?>
+<p:sld xmlns:a="http://schemas.openxmlformats.org/drawingml/2006/main" xmlns:r="http://schemas.openxmlformats.org/officeDocument/2006/relationships" xmlns:p="http://schemas.openxmlformats.org/presentationml/2006/main">
+  <p:cSld>
+    <p:spTree>
+      <p:nvGrpSpPr>
+        <p:cNvPr id="1" name=""/>
+        <p:cNvGrpSpPr/>
+        <p:nvPr/>
+      </p:nvGrpSpPr>
+      <p:grpSpPr>
+        <a:xfrm>
+          <a:off x="0" y="0"/>
+          <a:ext cx="0" cy="0"/>
+          <a:chOff x="0" y="0"/>
+          <a:chExt cx="0" cy="0"/>
+        </a:xfrm>
+      </p:grpSpPr>
+      <p:pic>
+        <p:nvPicPr>
+          <p:cNvPr id="5" name="Picture 4">
+            <a:extLst>
+              <a:ext uri="{FF2B5EF4-FFF2-40B4-BE49-F238E27FC236}">
+                <a16:creationId xmlns:a16="http://schemas.microsoft.com/office/drawing/2014/main" id="{5BE791B2-EF32-4B35-A0DA-FDBA7E92C79B}"/>
+              </a:ext>
+            </a:extLst>
+          </p:cNvPr>
+          <p:cNvPicPr>
+            <a:picLocks noChangeAspect="1"/>
+          </p:cNvPicPr>
+          <p:nvPr/>
+        </p:nvPicPr>
+        <p:blipFill>
+          <a:blip r:embed="rId2">
+            <a:extLst>
+              <a:ext uri="{28A0092B-C50C-407E-A947-70E740481C1C}">
+                <a14:useLocalDpi xmlns:a14="http://schemas.microsoft.com/office/drawing/2010/main" val="0"/>
+              </a:ext>
+            </a:extLst>
+          </a:blip>
+          <a:stretch>
+            <a:fillRect/>
+          </a:stretch>
+        </p:blipFill>
+        <p:spPr>
+          <a:xfrm>
+            <a:off x="7224045" y="1222047"/>
+            <a:ext cx="3679855" cy="3679855"/>
+          </a:xfrm>
+          <a:prstGeom prst="rect">
+            <a:avLst/>
+          </a:prstGeom>
+        </p:spPr>
+      </p:pic>
+      <p:pic>
+        <p:nvPicPr>
+          <p:cNvPr id="7" name="Picture 6">
+            <a:extLst>
+              <a:ext uri="{FF2B5EF4-FFF2-40B4-BE49-F238E27FC236}">
+                <a16:creationId xmlns:a16="http://schemas.microsoft.com/office/drawing/2014/main" id="{DE89C9B1-955E-47BF-A058-CE3B034B744B}"/>
+              </a:ext>
+            </a:extLst>
+          </p:cNvPr>
+          <p:cNvPicPr>
+            <a:picLocks noChangeAspect="1"/>
+          </p:cNvPicPr>
+          <p:nvPr/>
+        </p:nvPicPr>
+        <p:blipFill>
+          <a:blip r:embed="rId3">
+            <a:extLst>
+              <a:ext uri="{28A0092B-C50C-407E-A947-70E740481C1C}">
+                <a14:useLocalDpi xmlns:a14="http://schemas.microsoft.com/office/drawing/2010/main" val="0"/>
+              </a:ext>
+            </a:extLst>
+          </a:blip>
+          <a:stretch>
+            <a:fillRect/>
+          </a:stretch>
+        </p:blipFill>
+        <p:spPr>
+          <a:xfrm>
+            <a:off x="683951" y="1324597"/>
+            <a:ext cx="5508904" cy="3443065"/>
+          </a:xfrm>
+          <a:prstGeom prst="rect">
+            <a:avLst/>
+          </a:prstGeom>
+        </p:spPr>
+      </p:pic>
+    </p:spTree>
+    <p:extLst>
+      <p:ext uri="{BB962C8B-B14F-4D97-AF65-F5344CB8AC3E}">
+        <p14:creationId xmlns:p14="http://schemas.microsoft.com/office/powerpoint/2010/main" val="270571012"/>
+      </p:ext>
+    </p:extLst>
+  </p:cSld>
+  <p:clrMapOvr>
+    <a:masterClrMapping/>
+  </p:clrMapOvr>
+</p:sld>
+</file>
+
+<file path=ppt/slides/slide8.xml><?xml version="1.0" encoding="utf-8"?>
+<p:sld xmlns:a="http://schemas.openxmlformats.org/drawingml/2006/main" xmlns:r="http://schemas.openxmlformats.org/officeDocument/2006/relationships" xmlns:p="http://schemas.openxmlformats.org/presentationml/2006/main">
+  <p:cSld>
+    <p:spTree>
+      <p:nvGrpSpPr>
+        <p:cNvPr id="1" name=""/>
+        <p:cNvGrpSpPr/>
+        <p:nvPr/>
+      </p:nvGrpSpPr>
+      <p:grpSpPr>
+        <a:xfrm>
+          <a:off x="0" y="0"/>
+          <a:ext cx="0" cy="0"/>
+          <a:chOff x="0" y="0"/>
+          <a:chExt cx="0" cy="0"/>
+        </a:xfrm>
+      </p:grpSpPr>
+      <p:sp>
+        <p:nvSpPr>
+          <p:cNvPr id="2" name="Title 1">
+            <a:extLst>
+              <a:ext uri="{FF2B5EF4-FFF2-40B4-BE49-F238E27FC236}">
+                <a16:creationId xmlns:a16="http://schemas.microsoft.com/office/drawing/2014/main" id="{6DBD59A1-A8B5-4D43-B5D1-E39CD7B79992}"/>
+              </a:ext>
+            </a:extLst>
+          </p:cNvPr>
+          <p:cNvSpPr>
+            <a:spLocks noGrp="1"/>
+          </p:cNvSpPr>
+          <p:nvPr>
+            <p:ph type="title"/>
+          </p:nvPr>
+        </p:nvSpPr>
+        <p:spPr/>
+        <p:txBody>
+          <a:bodyPr/>
+          <a:lstStyle/>
+          <a:p>
+            <a:endParaRPr lang="en-GB"/>
+          </a:p>
+        </p:txBody>
+      </p:sp>
+      <p:pic>
+        <p:nvPicPr>
+          <p:cNvPr id="5" name="Content Placeholder 4">
+            <a:extLst>
+              <a:ext uri="{FF2B5EF4-FFF2-40B4-BE49-F238E27FC236}">
+                <a16:creationId xmlns:a16="http://schemas.microsoft.com/office/drawing/2014/main" id="{C4C34E6D-7236-4835-81FF-533C96D76011}"/>
+              </a:ext>
+            </a:extLst>
+          </p:cNvPr>
+          <p:cNvPicPr>
+            <a:picLocks noGrp="1" noChangeAspect="1"/>
+          </p:cNvPicPr>
+          <p:nvPr>
+            <p:ph idx="1"/>
+          </p:nvPr>
+        </p:nvPicPr>
+        <p:blipFill>
+          <a:blip r:embed="rId2">
+            <a:extLst>
+              <a:ext uri="{28A0092B-C50C-407E-A947-70E740481C1C}">
+                <a14:useLocalDpi xmlns:a14="http://schemas.microsoft.com/office/drawing/2010/main" val="0"/>
+              </a:ext>
+            </a:extLst>
+          </a:blip>
+          <a:stretch>
+            <a:fillRect/>
+          </a:stretch>
+        </p:blipFill>
+        <p:spPr>
+          <a:xfrm>
+            <a:off x="7543748" y="876834"/>
+            <a:ext cx="3682347" cy="3682347"/>
+          </a:xfrm>
+        </p:spPr>
+      </p:pic>
+      <p:pic>
+        <p:nvPicPr>
+          <p:cNvPr id="7" name="Picture 6">
+            <a:extLst>
+              <a:ext uri="{FF2B5EF4-FFF2-40B4-BE49-F238E27FC236}">
+                <a16:creationId xmlns:a16="http://schemas.microsoft.com/office/drawing/2014/main" id="{A67832BD-3125-4C63-B55D-19EF885D40A2}"/>
+              </a:ext>
+            </a:extLst>
+          </p:cNvPr>
+          <p:cNvPicPr>
+            <a:picLocks noChangeAspect="1"/>
+          </p:cNvPicPr>
+          <p:nvPr/>
+        </p:nvPicPr>
+        <p:blipFill>
+          <a:blip r:embed="rId3">
+            <a:extLst>
+              <a:ext uri="{28A0092B-C50C-407E-A947-70E740481C1C}">
+                <a14:useLocalDpi xmlns:a14="http://schemas.microsoft.com/office/drawing/2010/main" val="0"/>
+              </a:ext>
+            </a:extLst>
+          </a:blip>
+          <a:stretch>
+            <a:fillRect/>
+          </a:stretch>
+        </p:blipFill>
+        <p:spPr>
+          <a:xfrm>
+            <a:off x="602479" y="756480"/>
+            <a:ext cx="6276885" cy="3923053"/>
+          </a:xfrm>
+          <a:prstGeom prst="rect">
+            <a:avLst/>
+          </a:prstGeom>
+        </p:spPr>
+      </p:pic>
+    </p:spTree>
+    <p:extLst>
+      <p:ext uri="{BB962C8B-B14F-4D97-AF65-F5344CB8AC3E}">
+        <p14:creationId xmlns:p14="http://schemas.microsoft.com/office/powerpoint/2010/main" val="1299758118"/>
+      </p:ext>
+    </p:extLst>
+  </p:cSld>
+  <p:clrMapOvr>
+    <a:masterClrMapping/>
+  </p:clrMapOvr>
+</p:sld>
+</file>
+
+<file path=ppt/slides/slide9.xml><?xml version="1.0" encoding="utf-8"?>
+<p:sld xmlns:a="http://schemas.openxmlformats.org/drawingml/2006/main" xmlns:r="http://schemas.openxmlformats.org/officeDocument/2006/relationships" xmlns:p="http://schemas.openxmlformats.org/presentationml/2006/main">
+  <p:cSld>
+    <p:spTree>
+      <p:nvGrpSpPr>
+        <p:cNvPr id="1" name=""/>
+        <p:cNvGrpSpPr/>
+        <p:nvPr/>
+      </p:nvGrpSpPr>
+      <p:grpSpPr>
+        <a:xfrm>
+          <a:off x="0" y="0"/>
+          <a:ext cx="0" cy="0"/>
+          <a:chOff x="0" y="0"/>
+          <a:chExt cx="0" cy="0"/>
+        </a:xfrm>
+      </p:grpSpPr>
+      <p:sp>
+        <p:nvSpPr>
+          <p:cNvPr id="2" name="Title 1">
+            <a:extLst>
+              <a:ext uri="{FF2B5EF4-FFF2-40B4-BE49-F238E27FC236}">
+                <a16:creationId xmlns:a16="http://schemas.microsoft.com/office/drawing/2014/main" id="{F9DABC4A-99A3-474C-A114-615FCDCC8755}"/>
+              </a:ext>
+            </a:extLst>
+          </p:cNvPr>
+          <p:cNvSpPr>
+            <a:spLocks noGrp="1"/>
+          </p:cNvSpPr>
+          <p:nvPr>
+            <p:ph type="title"/>
+          </p:nvPr>
+        </p:nvSpPr>
+        <p:spPr/>
+        <p:txBody>
+          <a:bodyPr/>
+          <a:lstStyle/>
+          <a:p>
+            <a:endParaRPr lang="en-GB"/>
+          </a:p>
+        </p:txBody>
+      </p:sp>
+      <p:pic>
+        <p:nvPicPr>
+          <p:cNvPr id="5" name="Content Placeholder 4">
+            <a:extLst>
+              <a:ext uri="{FF2B5EF4-FFF2-40B4-BE49-F238E27FC236}">
+                <a16:creationId xmlns:a16="http://schemas.microsoft.com/office/drawing/2014/main" id="{770D8FED-9E8B-4D4D-8514-736D902E7FA0}"/>
+              </a:ext>
+            </a:extLst>
+          </p:cNvPr>
+          <p:cNvPicPr>
+            <a:picLocks noGrp="1" noChangeAspect="1"/>
+          </p:cNvPicPr>
+          <p:nvPr>
+            <p:ph idx="1"/>
+          </p:nvPr>
+        </p:nvPicPr>
+        <p:blipFill>
+          <a:blip r:embed="rId2">
+            <a:extLst>
+              <a:ext uri="{28A0092B-C50C-407E-A947-70E740481C1C}">
+                <a14:useLocalDpi xmlns:a14="http://schemas.microsoft.com/office/drawing/2010/main" val="0"/>
+              </a:ext>
+            </a:extLst>
+          </a:blip>
+          <a:stretch>
+            <a:fillRect/>
+          </a:stretch>
+        </p:blipFill>
+        <p:spPr>
+          <a:xfrm>
+            <a:off x="7091369" y="1027906"/>
+            <a:ext cx="3898208" cy="3898208"/>
+          </a:xfrm>
+        </p:spPr>
+      </p:pic>
+      <p:pic>
+        <p:nvPicPr>
+          <p:cNvPr id="7" name="Picture 6">
+            <a:extLst>
+              <a:ext uri="{FF2B5EF4-FFF2-40B4-BE49-F238E27FC236}">
+                <a16:creationId xmlns:a16="http://schemas.microsoft.com/office/drawing/2014/main" id="{847D2A98-02AE-4D2F-BA8D-48F1F179FC52}"/>
+              </a:ext>
+            </a:extLst>
+          </p:cNvPr>
+          <p:cNvPicPr>
+            <a:picLocks noChangeAspect="1"/>
+          </p:cNvPicPr>
+          <p:nvPr/>
+        </p:nvPicPr>
+        <p:blipFill>
+          <a:blip r:embed="rId3">
+            <a:extLst>
+              <a:ext uri="{28A0092B-C50C-407E-A947-70E740481C1C}">
+                <a14:useLocalDpi xmlns:a14="http://schemas.microsoft.com/office/drawing/2010/main" val="0"/>
+              </a:ext>
+            </a:extLst>
+          </a:blip>
+          <a:stretch>
+            <a:fillRect/>
+          </a:stretch>
+        </p:blipFill>
+        <p:spPr>
+          <a:xfrm>
+            <a:off x="473403" y="924552"/>
+            <a:ext cx="6455328" cy="4034580"/>
+          </a:xfrm>
+          <a:prstGeom prst="rect">
+            <a:avLst/>
+          </a:prstGeom>
+        </p:spPr>
+      </p:pic>
+    </p:spTree>
+    <p:extLst>
+      <p:ext uri="{BB962C8B-B14F-4D97-AF65-F5344CB8AC3E}">
+        <p14:creationId xmlns:p14="http://schemas.microsoft.com/office/powerpoint/2010/main" val="2658951173"/>
       </p:ext>
     </p:extLst>
   </p:cSld>
